--- a/Capstone-Project/Final Reports/IGN Video Game Reviews Deck.pptx
+++ b/Capstone-Project/Final Reports/IGN Video Game Reviews Deck.pptx
@@ -178,7 +178,7 @@
           <a:noFill/>
           <a:extLst>
             <a:ext uri="{909E8E84-426E-40dd-AFC4-6F175D3DCCD1}">
-              <a14:hiddenFill xmlns="" xmlns:a14="http://schemas.microsoft.com/office/drawing/2010/main">
+              <a14:hiddenFill xmlns:a14="http://schemas.microsoft.com/office/drawing/2010/main" xmlns="">
                 <a:solidFill>
                   <a:srgbClr val="FFFFFF"/>
                 </a:solidFill>
@@ -238,7 +238,7 @@
             </a:ln>
             <a:extLst>
               <a:ext uri="{91240B29-F687-4f45-9708-019B960494DF}">
-                <a14:hiddenLine xmlns="" xmlns:a14="http://schemas.microsoft.com/office/drawing/2010/main" w="9525">
+                <a14:hiddenLine xmlns:a14="http://schemas.microsoft.com/office/drawing/2010/main" xmlns="" w="9525">
                   <a:solidFill>
                     <a:srgbClr val="000000"/>
                   </a:solidFill>
@@ -328,7 +328,7 @@
             </a:ln>
             <a:extLst>
               <a:ext uri="{91240B29-F687-4f45-9708-019B960494DF}">
-                <a14:hiddenLine xmlns="" xmlns:a14="http://schemas.microsoft.com/office/drawing/2010/main" w="9525">
+                <a14:hiddenLine xmlns:a14="http://schemas.microsoft.com/office/drawing/2010/main" xmlns="" w="9525">
                   <a:solidFill>
                     <a:srgbClr val="000000"/>
                   </a:solidFill>
@@ -418,7 +418,7 @@
             </a:ln>
             <a:extLst>
               <a:ext uri="{91240B29-F687-4f45-9708-019B960494DF}">
-                <a14:hiddenLine xmlns="" xmlns:a14="http://schemas.microsoft.com/office/drawing/2010/main" w="9525">
+                <a14:hiddenLine xmlns:a14="http://schemas.microsoft.com/office/drawing/2010/main" xmlns="" w="9525">
                   <a:solidFill>
                     <a:srgbClr val="000000"/>
                   </a:solidFill>
@@ -452,7 +452,7 @@
             </a:ln>
             <a:extLst>
               <a:ext uri="{91240B29-F687-4f45-9708-019B960494DF}">
-                <a14:hiddenLine xmlns="" xmlns:a14="http://schemas.microsoft.com/office/drawing/2010/main" w="9525">
+                <a14:hiddenLine xmlns:a14="http://schemas.microsoft.com/office/drawing/2010/main" xmlns="" w="9525">
                   <a:solidFill>
                     <a:srgbClr val="000000"/>
                   </a:solidFill>
@@ -542,7 +542,7 @@
             </a:ln>
             <a:extLst>
               <a:ext uri="{91240B29-F687-4f45-9708-019B960494DF}">
-                <a14:hiddenLine xmlns="" xmlns:a14="http://schemas.microsoft.com/office/drawing/2010/main" w="9525">
+                <a14:hiddenLine xmlns:a14="http://schemas.microsoft.com/office/drawing/2010/main" xmlns="" w="9525">
                   <a:solidFill>
                     <a:srgbClr val="000000"/>
                   </a:solidFill>
@@ -604,7 +604,7 @@
             </a:ln>
             <a:extLst>
               <a:ext uri="{91240B29-F687-4f45-9708-019B960494DF}">
-                <a14:hiddenLine xmlns="" xmlns:a14="http://schemas.microsoft.com/office/drawing/2010/main" w="9525">
+                <a14:hiddenLine xmlns:a14="http://schemas.microsoft.com/office/drawing/2010/main" xmlns="" w="9525">
                   <a:solidFill>
                     <a:srgbClr val="000000"/>
                   </a:solidFill>
@@ -666,7 +666,7 @@
             </a:ln>
             <a:extLst>
               <a:ext uri="{91240B29-F687-4f45-9708-019B960494DF}">
-                <a14:hiddenLine xmlns="" xmlns:a14="http://schemas.microsoft.com/office/drawing/2010/main" w="9525">
+                <a14:hiddenLine xmlns:a14="http://schemas.microsoft.com/office/drawing/2010/main" xmlns="" w="9525">
                   <a:solidFill>
                     <a:srgbClr val="000000"/>
                   </a:solidFill>
@@ -756,7 +756,7 @@
             </a:ln>
             <a:extLst>
               <a:ext uri="{91240B29-F687-4f45-9708-019B960494DF}">
-                <a14:hiddenLine xmlns="" xmlns:a14="http://schemas.microsoft.com/office/drawing/2010/main" w="9525">
+                <a14:hiddenLine xmlns:a14="http://schemas.microsoft.com/office/drawing/2010/main" xmlns="" w="9525">
                   <a:solidFill>
                     <a:srgbClr val="000000"/>
                   </a:solidFill>
@@ -818,7 +818,7 @@
             </a:ln>
             <a:extLst>
               <a:ext uri="{91240B29-F687-4f45-9708-019B960494DF}">
-                <a14:hiddenLine xmlns="" xmlns:a14="http://schemas.microsoft.com/office/drawing/2010/main" w="9525">
+                <a14:hiddenLine xmlns:a14="http://schemas.microsoft.com/office/drawing/2010/main" xmlns="" w="9525">
                   <a:solidFill>
                     <a:srgbClr val="000000"/>
                   </a:solidFill>
@@ -880,7 +880,7 @@
             </a:ln>
             <a:extLst>
               <a:ext uri="{91240B29-F687-4f45-9708-019B960494DF}">
-                <a14:hiddenLine xmlns="" xmlns:a14="http://schemas.microsoft.com/office/drawing/2010/main" w="9525">
+                <a14:hiddenLine xmlns:a14="http://schemas.microsoft.com/office/drawing/2010/main" xmlns="" w="9525">
                   <a:solidFill>
                     <a:srgbClr val="000000"/>
                   </a:solidFill>
@@ -970,7 +970,7 @@
             </a:ln>
             <a:extLst>
               <a:ext uri="{91240B29-F687-4f45-9708-019B960494DF}">
-                <a14:hiddenLine xmlns="" xmlns:a14="http://schemas.microsoft.com/office/drawing/2010/main" w="9525">
+                <a14:hiddenLine xmlns:a14="http://schemas.microsoft.com/office/drawing/2010/main" xmlns="" w="9525">
                   <a:solidFill>
                     <a:srgbClr val="000000"/>
                   </a:solidFill>
@@ -1060,7 +1060,7 @@
             </a:ln>
             <a:extLst>
               <a:ext uri="{91240B29-F687-4f45-9708-019B960494DF}">
-                <a14:hiddenLine xmlns="" xmlns:a14="http://schemas.microsoft.com/office/drawing/2010/main" w="9525">
+                <a14:hiddenLine xmlns:a14="http://schemas.microsoft.com/office/drawing/2010/main" xmlns="" w="9525">
                   <a:solidFill>
                     <a:srgbClr val="000000"/>
                   </a:solidFill>
@@ -1122,7 +1122,7 @@
             </a:ln>
             <a:extLst>
               <a:ext uri="{91240B29-F687-4f45-9708-019B960494DF}">
-                <a14:hiddenLine xmlns="" xmlns:a14="http://schemas.microsoft.com/office/drawing/2010/main" w="9525">
+                <a14:hiddenLine xmlns:a14="http://schemas.microsoft.com/office/drawing/2010/main" xmlns="" w="9525">
                   <a:solidFill>
                     <a:srgbClr val="000000"/>
                   </a:solidFill>
@@ -1232,7 +1232,7 @@
             </a:ln>
             <a:extLst>
               <a:ext uri="{91240B29-F687-4f45-9708-019B960494DF}">
-                <a14:hiddenLine xmlns="" xmlns:a14="http://schemas.microsoft.com/office/drawing/2010/main" w="9525">
+                <a14:hiddenLine xmlns:a14="http://schemas.microsoft.com/office/drawing/2010/main" xmlns="" w="9525">
                   <a:solidFill>
                     <a:srgbClr val="000000"/>
                   </a:solidFill>
@@ -1294,7 +1294,7 @@
             </a:ln>
             <a:extLst>
               <a:ext uri="{91240B29-F687-4f45-9708-019B960494DF}">
-                <a14:hiddenLine xmlns="" xmlns:a14="http://schemas.microsoft.com/office/drawing/2010/main" w="9525">
+                <a14:hiddenLine xmlns:a14="http://schemas.microsoft.com/office/drawing/2010/main" xmlns="" w="9525">
                   <a:solidFill>
                     <a:srgbClr val="000000"/>
                   </a:solidFill>
@@ -1384,7 +1384,7 @@
             </a:ln>
             <a:extLst>
               <a:ext uri="{91240B29-F687-4f45-9708-019B960494DF}">
-                <a14:hiddenLine xmlns="" xmlns:a14="http://schemas.microsoft.com/office/drawing/2010/main" w="9525">
+                <a14:hiddenLine xmlns:a14="http://schemas.microsoft.com/office/drawing/2010/main" xmlns="" w="9525">
                   <a:solidFill>
                     <a:srgbClr val="000000"/>
                   </a:solidFill>
@@ -1474,7 +1474,7 @@
             </a:ln>
             <a:extLst>
               <a:ext uri="{91240B29-F687-4f45-9708-019B960494DF}">
-                <a14:hiddenLine xmlns="" xmlns:a14="http://schemas.microsoft.com/office/drawing/2010/main" w="9525">
+                <a14:hiddenLine xmlns:a14="http://schemas.microsoft.com/office/drawing/2010/main" xmlns="" w="9525">
                   <a:solidFill>
                     <a:srgbClr val="000000"/>
                   </a:solidFill>
@@ -1536,7 +1536,7 @@
             </a:ln>
             <a:extLst>
               <a:ext uri="{91240B29-F687-4f45-9708-019B960494DF}">
-                <a14:hiddenLine xmlns="" xmlns:a14="http://schemas.microsoft.com/office/drawing/2010/main" w="9525">
+                <a14:hiddenLine xmlns:a14="http://schemas.microsoft.com/office/drawing/2010/main" xmlns="" w="9525">
                   <a:solidFill>
                     <a:srgbClr val="000000"/>
                   </a:solidFill>
@@ -1626,7 +1626,7 @@
             </a:ln>
             <a:extLst>
               <a:ext uri="{91240B29-F687-4f45-9708-019B960494DF}">
-                <a14:hiddenLine xmlns="" xmlns:a14="http://schemas.microsoft.com/office/drawing/2010/main" w="9525">
+                <a14:hiddenLine xmlns:a14="http://schemas.microsoft.com/office/drawing/2010/main" xmlns="" w="9525">
                   <a:solidFill>
                     <a:srgbClr val="000000"/>
                   </a:solidFill>
@@ -1716,7 +1716,7 @@
             </a:ln>
             <a:extLst>
               <a:ext uri="{91240B29-F687-4f45-9708-019B960494DF}">
-                <a14:hiddenLine xmlns="" xmlns:a14="http://schemas.microsoft.com/office/drawing/2010/main" w="9525">
+                <a14:hiddenLine xmlns:a14="http://schemas.microsoft.com/office/drawing/2010/main" xmlns="" w="9525">
                   <a:solidFill>
                     <a:srgbClr val="000000"/>
                   </a:solidFill>
@@ -1772,7 +1772,7 @@
             </a:ln>
             <a:extLst>
               <a:ext uri="{91240B29-F687-4f45-9708-019B960494DF}">
-                <a14:hiddenLine xmlns="" xmlns:a14="http://schemas.microsoft.com/office/drawing/2010/main" w="9525">
+                <a14:hiddenLine xmlns:a14="http://schemas.microsoft.com/office/drawing/2010/main" xmlns="" w="9525">
                   <a:solidFill>
                     <a:srgbClr val="000000"/>
                   </a:solidFill>
@@ -1862,7 +1862,7 @@
             </a:ln>
             <a:extLst>
               <a:ext uri="{91240B29-F687-4f45-9708-019B960494DF}">
-                <a14:hiddenLine xmlns="" xmlns:a14="http://schemas.microsoft.com/office/drawing/2010/main" w="9525">
+                <a14:hiddenLine xmlns:a14="http://schemas.microsoft.com/office/drawing/2010/main" xmlns="" w="9525">
                   <a:solidFill>
                     <a:srgbClr val="000000"/>
                   </a:solidFill>
@@ -1918,7 +1918,7 @@
             </a:ln>
             <a:extLst>
               <a:ext uri="{91240B29-F687-4f45-9708-019B960494DF}">
-                <a14:hiddenLine xmlns="" xmlns:a14="http://schemas.microsoft.com/office/drawing/2010/main" w="9525">
+                <a14:hiddenLine xmlns:a14="http://schemas.microsoft.com/office/drawing/2010/main" xmlns="" w="9525">
                   <a:solidFill>
                     <a:srgbClr val="000000"/>
                   </a:solidFill>
@@ -2008,7 +2008,7 @@
             </a:ln>
             <a:extLst>
               <a:ext uri="{91240B29-F687-4f45-9708-019B960494DF}">
-                <a14:hiddenLine xmlns="" xmlns:a14="http://schemas.microsoft.com/office/drawing/2010/main" w="9525">
+                <a14:hiddenLine xmlns:a14="http://schemas.microsoft.com/office/drawing/2010/main" xmlns="" w="9525">
                   <a:solidFill>
                     <a:srgbClr val="000000"/>
                   </a:solidFill>
@@ -2076,7 +2076,7 @@
             </a:ln>
             <a:extLst>
               <a:ext uri="{91240B29-F687-4f45-9708-019B960494DF}">
-                <a14:hiddenLine xmlns="" xmlns:a14="http://schemas.microsoft.com/office/drawing/2010/main" w="9525">
+                <a14:hiddenLine xmlns:a14="http://schemas.microsoft.com/office/drawing/2010/main" xmlns="" w="9525">
                   <a:solidFill>
                     <a:srgbClr val="000000"/>
                   </a:solidFill>
@@ -2166,7 +2166,7 @@
             </a:ln>
             <a:extLst>
               <a:ext uri="{91240B29-F687-4f45-9708-019B960494DF}">
-                <a14:hiddenLine xmlns="" xmlns:a14="http://schemas.microsoft.com/office/drawing/2010/main" w="9525">
+                <a14:hiddenLine xmlns:a14="http://schemas.microsoft.com/office/drawing/2010/main" xmlns="" w="9525">
                   <a:solidFill>
                     <a:srgbClr val="000000"/>
                   </a:solidFill>
@@ -2234,7 +2234,7 @@
             </a:ln>
             <a:extLst>
               <a:ext uri="{91240B29-F687-4f45-9708-019B960494DF}">
-                <a14:hiddenLine xmlns="" xmlns:a14="http://schemas.microsoft.com/office/drawing/2010/main" w="9525">
+                <a14:hiddenLine xmlns:a14="http://schemas.microsoft.com/office/drawing/2010/main" xmlns="" w="9525">
                   <a:solidFill>
                     <a:srgbClr val="000000"/>
                   </a:solidFill>
@@ -2324,7 +2324,7 @@
             </a:ln>
             <a:extLst>
               <a:ext uri="{91240B29-F687-4f45-9708-019B960494DF}">
-                <a14:hiddenLine xmlns="" xmlns:a14="http://schemas.microsoft.com/office/drawing/2010/main" w="9525">
+                <a14:hiddenLine xmlns:a14="http://schemas.microsoft.com/office/drawing/2010/main" xmlns="" w="9525">
                   <a:solidFill>
                     <a:srgbClr val="000000"/>
                   </a:solidFill>
@@ -2358,7 +2358,7 @@
             </a:ln>
             <a:extLst>
               <a:ext uri="{91240B29-F687-4f45-9708-019B960494DF}">
-                <a14:hiddenLine xmlns="" xmlns:a14="http://schemas.microsoft.com/office/drawing/2010/main" w="9525">
+                <a14:hiddenLine xmlns:a14="http://schemas.microsoft.com/office/drawing/2010/main" xmlns="" w="9525">
                   <a:solidFill>
                     <a:srgbClr val="000000"/>
                   </a:solidFill>
@@ -2448,7 +2448,7 @@
             </a:ln>
             <a:extLst>
               <a:ext uri="{91240B29-F687-4f45-9708-019B960494DF}">
-                <a14:hiddenLine xmlns="" xmlns:a14="http://schemas.microsoft.com/office/drawing/2010/main" w="9525">
+                <a14:hiddenLine xmlns:a14="http://schemas.microsoft.com/office/drawing/2010/main" xmlns="" w="9525">
                   <a:solidFill>
                     <a:srgbClr val="000000"/>
                   </a:solidFill>
@@ -2510,7 +2510,7 @@
             </a:ln>
             <a:extLst>
               <a:ext uri="{91240B29-F687-4f45-9708-019B960494DF}">
-                <a14:hiddenLine xmlns="" xmlns:a14="http://schemas.microsoft.com/office/drawing/2010/main" w="9525">
+                <a14:hiddenLine xmlns:a14="http://schemas.microsoft.com/office/drawing/2010/main" xmlns="" w="9525">
                   <a:solidFill>
                     <a:srgbClr val="000000"/>
                   </a:solidFill>
@@ -2572,7 +2572,7 @@
             </a:ln>
             <a:extLst>
               <a:ext uri="{91240B29-F687-4f45-9708-019B960494DF}">
-                <a14:hiddenLine xmlns="" xmlns:a14="http://schemas.microsoft.com/office/drawing/2010/main" w="9525">
+                <a14:hiddenLine xmlns:a14="http://schemas.microsoft.com/office/drawing/2010/main" xmlns="" w="9525">
                   <a:solidFill>
                     <a:srgbClr val="000000"/>
                   </a:solidFill>
@@ -2662,7 +2662,7 @@
             </a:ln>
             <a:extLst>
               <a:ext uri="{91240B29-F687-4f45-9708-019B960494DF}">
-                <a14:hiddenLine xmlns="" xmlns:a14="http://schemas.microsoft.com/office/drawing/2010/main" w="9525">
+                <a14:hiddenLine xmlns:a14="http://schemas.microsoft.com/office/drawing/2010/main" xmlns="" w="9525">
                   <a:solidFill>
                     <a:srgbClr val="000000"/>
                   </a:solidFill>
@@ -2730,7 +2730,7 @@
             </a:ln>
             <a:extLst>
               <a:ext uri="{91240B29-F687-4f45-9708-019B960494DF}">
-                <a14:hiddenLine xmlns="" xmlns:a14="http://schemas.microsoft.com/office/drawing/2010/main" w="9525">
+                <a14:hiddenLine xmlns:a14="http://schemas.microsoft.com/office/drawing/2010/main" xmlns="" w="9525">
                   <a:solidFill>
                     <a:srgbClr val="000000"/>
                   </a:solidFill>
@@ -2792,7 +2792,7 @@
             </a:ln>
             <a:extLst>
               <a:ext uri="{91240B29-F687-4f45-9708-019B960494DF}">
-                <a14:hiddenLine xmlns="" xmlns:a14="http://schemas.microsoft.com/office/drawing/2010/main" w="9525">
+                <a14:hiddenLine xmlns:a14="http://schemas.microsoft.com/office/drawing/2010/main" xmlns="" w="9525">
                   <a:solidFill>
                     <a:srgbClr val="000000"/>
                   </a:solidFill>
@@ -2882,7 +2882,7 @@
             </a:ln>
             <a:extLst>
               <a:ext uri="{91240B29-F687-4f45-9708-019B960494DF}">
-                <a14:hiddenLine xmlns="" xmlns:a14="http://schemas.microsoft.com/office/drawing/2010/main" w="9525">
+                <a14:hiddenLine xmlns:a14="http://schemas.microsoft.com/office/drawing/2010/main" xmlns="" w="9525">
                   <a:solidFill>
                     <a:srgbClr val="000000"/>
                   </a:solidFill>
@@ -2944,7 +2944,7 @@
             </a:ln>
             <a:extLst>
               <a:ext uri="{91240B29-F687-4f45-9708-019B960494DF}">
-                <a14:hiddenLine xmlns="" xmlns:a14="http://schemas.microsoft.com/office/drawing/2010/main" w="9525">
+                <a14:hiddenLine xmlns:a14="http://schemas.microsoft.com/office/drawing/2010/main" xmlns="" w="9525">
                   <a:solidFill>
                     <a:srgbClr val="000000"/>
                   </a:solidFill>
@@ -3034,7 +3034,7 @@
             </a:ln>
             <a:extLst>
               <a:ext uri="{91240B29-F687-4f45-9708-019B960494DF}">
-                <a14:hiddenLine xmlns="" xmlns:a14="http://schemas.microsoft.com/office/drawing/2010/main" w="9525">
+                <a14:hiddenLine xmlns:a14="http://schemas.microsoft.com/office/drawing/2010/main" xmlns="" w="9525">
                   <a:solidFill>
                     <a:srgbClr val="000000"/>
                   </a:solidFill>
@@ -3096,7 +3096,7 @@
             </a:ln>
             <a:extLst>
               <a:ext uri="{91240B29-F687-4f45-9708-019B960494DF}">
-                <a14:hiddenLine xmlns="" xmlns:a14="http://schemas.microsoft.com/office/drawing/2010/main" w="9525">
+                <a14:hiddenLine xmlns:a14="http://schemas.microsoft.com/office/drawing/2010/main" xmlns="" w="9525">
                   <a:solidFill>
                     <a:srgbClr val="000000"/>
                   </a:solidFill>
@@ -3186,7 +3186,7 @@
             </a:ln>
             <a:extLst>
               <a:ext uri="{91240B29-F687-4f45-9708-019B960494DF}">
-                <a14:hiddenLine xmlns="" xmlns:a14="http://schemas.microsoft.com/office/drawing/2010/main" w="9525">
+                <a14:hiddenLine xmlns:a14="http://schemas.microsoft.com/office/drawing/2010/main" xmlns="" w="9525">
                   <a:solidFill>
                     <a:srgbClr val="000000"/>
                   </a:solidFill>
@@ -3220,7 +3220,7 @@
             </a:ln>
             <a:extLst>
               <a:ext uri="{91240B29-F687-4f45-9708-019B960494DF}">
-                <a14:hiddenLine xmlns="" xmlns:a14="http://schemas.microsoft.com/office/drawing/2010/main" w="9525">
+                <a14:hiddenLine xmlns:a14="http://schemas.microsoft.com/office/drawing/2010/main" xmlns="" w="9525">
                   <a:solidFill>
                     <a:srgbClr val="000000"/>
                   </a:solidFill>
@@ -3285,7 +3285,7 @@
             </a:ln>
             <a:extLst>
               <a:ext uri="{91240B29-F687-4f45-9708-019B960494DF}">
-                <a14:hiddenLine xmlns="" xmlns:a14="http://schemas.microsoft.com/office/drawing/2010/main" w="9525">
+                <a14:hiddenLine xmlns:a14="http://schemas.microsoft.com/office/drawing/2010/main" xmlns="" w="9525">
                   <a:solidFill>
                     <a:srgbClr val="000000"/>
                   </a:solidFill>
@@ -3375,7 +3375,7 @@
             </a:ln>
             <a:extLst>
               <a:ext uri="{91240B29-F687-4f45-9708-019B960494DF}">
-                <a14:hiddenLine xmlns="" xmlns:a14="http://schemas.microsoft.com/office/drawing/2010/main" w="9525">
+                <a14:hiddenLine xmlns:a14="http://schemas.microsoft.com/office/drawing/2010/main" xmlns="" w="9525">
                   <a:solidFill>
                     <a:srgbClr val="000000"/>
                   </a:solidFill>
@@ -3437,7 +3437,7 @@
             </a:ln>
             <a:extLst>
               <a:ext uri="{91240B29-F687-4f45-9708-019B960494DF}">
-                <a14:hiddenLine xmlns="" xmlns:a14="http://schemas.microsoft.com/office/drawing/2010/main" w="9525">
+                <a14:hiddenLine xmlns:a14="http://schemas.microsoft.com/office/drawing/2010/main" xmlns="" w="9525">
                   <a:solidFill>
                     <a:srgbClr val="000000"/>
                   </a:solidFill>
@@ -3527,7 +3527,7 @@
             </a:ln>
             <a:extLst>
               <a:ext uri="{91240B29-F687-4f45-9708-019B960494DF}">
-                <a14:hiddenLine xmlns="" xmlns:a14="http://schemas.microsoft.com/office/drawing/2010/main" w="9525">
+                <a14:hiddenLine xmlns:a14="http://schemas.microsoft.com/office/drawing/2010/main" xmlns="" w="9525">
                   <a:solidFill>
                     <a:srgbClr val="000000"/>
                   </a:solidFill>
@@ -3617,7 +3617,7 @@
             </a:ln>
             <a:extLst>
               <a:ext uri="{91240B29-F687-4f45-9708-019B960494DF}">
-                <a14:hiddenLine xmlns="" xmlns:a14="http://schemas.microsoft.com/office/drawing/2010/main" w="9525">
+                <a14:hiddenLine xmlns:a14="http://schemas.microsoft.com/office/drawing/2010/main" xmlns="" w="9525">
                   <a:solidFill>
                     <a:srgbClr val="000000"/>
                   </a:solidFill>
@@ -3682,7 +3682,7 @@
             </a:ln>
             <a:extLst>
               <a:ext uri="{91240B29-F687-4f45-9708-019B960494DF}">
-                <a14:hiddenLine xmlns="" xmlns:a14="http://schemas.microsoft.com/office/drawing/2010/main" w="9525">
+                <a14:hiddenLine xmlns:a14="http://schemas.microsoft.com/office/drawing/2010/main" xmlns="" w="9525">
                   <a:solidFill>
                     <a:srgbClr val="000000"/>
                   </a:solidFill>
@@ -3744,7 +3744,7 @@
             </a:ln>
             <a:extLst>
               <a:ext uri="{91240B29-F687-4f45-9708-019B960494DF}">
-                <a14:hiddenLine xmlns="" xmlns:a14="http://schemas.microsoft.com/office/drawing/2010/main" w="9525">
+                <a14:hiddenLine xmlns:a14="http://schemas.microsoft.com/office/drawing/2010/main" xmlns="" w="9525">
                   <a:solidFill>
                     <a:srgbClr val="000000"/>
                   </a:solidFill>
@@ -3834,7 +3834,7 @@
             </a:ln>
             <a:extLst>
               <a:ext uri="{91240B29-F687-4f45-9708-019B960494DF}">
-                <a14:hiddenLine xmlns="" xmlns:a14="http://schemas.microsoft.com/office/drawing/2010/main" w="9525">
+                <a14:hiddenLine xmlns:a14="http://schemas.microsoft.com/office/drawing/2010/main" xmlns="" w="9525">
                   <a:solidFill>
                     <a:srgbClr val="000000"/>
                   </a:solidFill>
@@ -3924,7 +3924,7 @@
             </a:ln>
             <a:extLst>
               <a:ext uri="{91240B29-F687-4f45-9708-019B960494DF}">
-                <a14:hiddenLine xmlns="" xmlns:a14="http://schemas.microsoft.com/office/drawing/2010/main" w="9525">
+                <a14:hiddenLine xmlns:a14="http://schemas.microsoft.com/office/drawing/2010/main" xmlns="" w="9525">
                   <a:solidFill>
                     <a:srgbClr val="000000"/>
                   </a:solidFill>
@@ -3986,7 +3986,7 @@
             </a:ln>
             <a:extLst>
               <a:ext uri="{91240B29-F687-4f45-9708-019B960494DF}">
-                <a14:hiddenLine xmlns="" xmlns:a14="http://schemas.microsoft.com/office/drawing/2010/main" w="9525">
+                <a14:hiddenLine xmlns:a14="http://schemas.microsoft.com/office/drawing/2010/main" xmlns="" w="9525">
                   <a:solidFill>
                     <a:srgbClr val="000000"/>
                   </a:solidFill>
@@ -4106,7 +4106,7 @@
             </a:ln>
             <a:extLst>
               <a:ext uri="{91240B29-F687-4f45-9708-019B960494DF}">
-                <a14:hiddenLine xmlns="" xmlns:a14="http://schemas.microsoft.com/office/drawing/2010/main" w="9525">
+                <a14:hiddenLine xmlns:a14="http://schemas.microsoft.com/office/drawing/2010/main" xmlns="" w="9525">
                   <a:solidFill>
                     <a:srgbClr val="000000"/>
                   </a:solidFill>
@@ -4174,7 +4174,7 @@
             </a:ln>
             <a:extLst>
               <a:ext uri="{91240B29-F687-4f45-9708-019B960494DF}">
-                <a14:hiddenLine xmlns="" xmlns:a14="http://schemas.microsoft.com/office/drawing/2010/main" w="9525">
+                <a14:hiddenLine xmlns:a14="http://schemas.microsoft.com/office/drawing/2010/main" xmlns="" w="9525">
                   <a:solidFill>
                     <a:srgbClr val="000000"/>
                   </a:solidFill>
@@ -4264,7 +4264,7 @@
             </a:ln>
             <a:extLst>
               <a:ext uri="{91240B29-F687-4f45-9708-019B960494DF}">
-                <a14:hiddenLine xmlns="" xmlns:a14="http://schemas.microsoft.com/office/drawing/2010/main" w="9525">
+                <a14:hiddenLine xmlns:a14="http://schemas.microsoft.com/office/drawing/2010/main" xmlns="" w="9525">
                   <a:solidFill>
                     <a:srgbClr val="000000"/>
                   </a:solidFill>
@@ -8981,7 +8981,7 @@
           <a:noFill/>
           <a:extLst>
             <a:ext uri="{909E8E84-426E-40dd-AFC4-6F175D3DCCD1}">
-              <a14:hiddenFill xmlns="" xmlns:a14="http://schemas.microsoft.com/office/drawing/2010/main">
+              <a14:hiddenFill xmlns:a14="http://schemas.microsoft.com/office/drawing/2010/main" xmlns="">
                 <a:solidFill>
                   <a:srgbClr val="FFFFFF"/>
                 </a:solidFill>
@@ -9055,7 +9055,7 @@
               </a:ln>
               <a:extLst>
                 <a:ext uri="{91240B29-F687-4f45-9708-019B960494DF}">
-                  <a14:hiddenLine xmlns="" xmlns:a14="http://schemas.microsoft.com/office/drawing/2010/main" w="9525">
+                  <a14:hiddenLine xmlns:a14="http://schemas.microsoft.com/office/drawing/2010/main" xmlns="" w="9525">
                     <a:solidFill>
                       <a:srgbClr val="000000"/>
                     </a:solidFill>
@@ -9145,7 +9145,7 @@
               </a:ln>
               <a:extLst>
                 <a:ext uri="{91240B29-F687-4f45-9708-019B960494DF}">
-                  <a14:hiddenLine xmlns="" xmlns:a14="http://schemas.microsoft.com/office/drawing/2010/main" w="9525">
+                  <a14:hiddenLine xmlns:a14="http://schemas.microsoft.com/office/drawing/2010/main" xmlns="" w="9525">
                     <a:solidFill>
                       <a:srgbClr val="000000"/>
                     </a:solidFill>
@@ -9235,7 +9235,7 @@
               </a:ln>
               <a:extLst>
                 <a:ext uri="{91240B29-F687-4f45-9708-019B960494DF}">
-                  <a14:hiddenLine xmlns="" xmlns:a14="http://schemas.microsoft.com/office/drawing/2010/main" w="9525">
+                  <a14:hiddenLine xmlns:a14="http://schemas.microsoft.com/office/drawing/2010/main" xmlns="" w="9525">
                     <a:solidFill>
                       <a:srgbClr val="000000"/>
                     </a:solidFill>
@@ -9297,7 +9297,7 @@
               </a:ln>
               <a:extLst>
                 <a:ext uri="{91240B29-F687-4f45-9708-019B960494DF}">
-                  <a14:hiddenLine xmlns="" xmlns:a14="http://schemas.microsoft.com/office/drawing/2010/main" w="9525">
+                  <a14:hiddenLine xmlns:a14="http://schemas.microsoft.com/office/drawing/2010/main" xmlns="" w="9525">
                     <a:solidFill>
                       <a:srgbClr val="000000"/>
                     </a:solidFill>
@@ -9387,7 +9387,7 @@
               </a:ln>
               <a:extLst>
                 <a:ext uri="{91240B29-F687-4f45-9708-019B960494DF}">
-                  <a14:hiddenLine xmlns="" xmlns:a14="http://schemas.microsoft.com/office/drawing/2010/main" w="9525">
+                  <a14:hiddenLine xmlns:a14="http://schemas.microsoft.com/office/drawing/2010/main" xmlns="" w="9525">
                     <a:solidFill>
                       <a:srgbClr val="000000"/>
                     </a:solidFill>
@@ -9449,7 +9449,7 @@
               </a:ln>
               <a:extLst>
                 <a:ext uri="{91240B29-F687-4f45-9708-019B960494DF}">
-                  <a14:hiddenLine xmlns="" xmlns:a14="http://schemas.microsoft.com/office/drawing/2010/main" w="9525">
+                  <a14:hiddenLine xmlns:a14="http://schemas.microsoft.com/office/drawing/2010/main" xmlns="" w="9525">
                     <a:solidFill>
                       <a:srgbClr val="000000"/>
                     </a:solidFill>
@@ -9511,7 +9511,7 @@
               </a:ln>
               <a:extLst>
                 <a:ext uri="{91240B29-F687-4f45-9708-019B960494DF}">
-                  <a14:hiddenLine xmlns="" xmlns:a14="http://schemas.microsoft.com/office/drawing/2010/main" w="9525">
+                  <a14:hiddenLine xmlns:a14="http://schemas.microsoft.com/office/drawing/2010/main" xmlns="" w="9525">
                     <a:solidFill>
                       <a:srgbClr val="000000"/>
                     </a:solidFill>
@@ -9601,7 +9601,7 @@
               </a:ln>
               <a:extLst>
                 <a:ext uri="{91240B29-F687-4f45-9708-019B960494DF}">
-                  <a14:hiddenLine xmlns="" xmlns:a14="http://schemas.microsoft.com/office/drawing/2010/main" w="9525">
+                  <a14:hiddenLine xmlns:a14="http://schemas.microsoft.com/office/drawing/2010/main" xmlns="" w="9525">
                     <a:solidFill>
                       <a:srgbClr val="000000"/>
                     </a:solidFill>
@@ -9691,7 +9691,7 @@
               </a:ln>
               <a:extLst>
                 <a:ext uri="{91240B29-F687-4f45-9708-019B960494DF}">
-                  <a14:hiddenLine xmlns="" xmlns:a14="http://schemas.microsoft.com/office/drawing/2010/main" w="9525">
+                  <a14:hiddenLine xmlns:a14="http://schemas.microsoft.com/office/drawing/2010/main" xmlns="" w="9525">
                     <a:solidFill>
                       <a:srgbClr val="000000"/>
                     </a:solidFill>
@@ -9753,7 +9753,7 @@
               </a:ln>
               <a:extLst>
                 <a:ext uri="{91240B29-F687-4f45-9708-019B960494DF}">
-                  <a14:hiddenLine xmlns="" xmlns:a14="http://schemas.microsoft.com/office/drawing/2010/main" w="9525">
+                  <a14:hiddenLine xmlns:a14="http://schemas.microsoft.com/office/drawing/2010/main" xmlns="" w="9525">
                     <a:solidFill>
                       <a:srgbClr val="000000"/>
                     </a:solidFill>
@@ -9863,7 +9863,7 @@
               </a:ln>
               <a:extLst>
                 <a:ext uri="{91240B29-F687-4f45-9708-019B960494DF}">
-                  <a14:hiddenLine xmlns="" xmlns:a14="http://schemas.microsoft.com/office/drawing/2010/main" w="9525">
+                  <a14:hiddenLine xmlns:a14="http://schemas.microsoft.com/office/drawing/2010/main" xmlns="" w="9525">
                     <a:solidFill>
                       <a:srgbClr val="000000"/>
                     </a:solidFill>
@@ -9947,7 +9947,7 @@
               </a:ln>
               <a:extLst>
                 <a:ext uri="{91240B29-F687-4f45-9708-019B960494DF}">
-                  <a14:hiddenLine xmlns="" xmlns:a14="http://schemas.microsoft.com/office/drawing/2010/main" w="9525">
+                  <a14:hiddenLine xmlns:a14="http://schemas.microsoft.com/office/drawing/2010/main" xmlns="" w="9525">
                     <a:solidFill>
                       <a:srgbClr val="000000"/>
                     </a:solidFill>
@@ -10009,7 +10009,7 @@
               </a:ln>
               <a:extLst>
                 <a:ext uri="{91240B29-F687-4f45-9708-019B960494DF}">
-                  <a14:hiddenLine xmlns="" xmlns:a14="http://schemas.microsoft.com/office/drawing/2010/main" w="9525">
+                  <a14:hiddenLine xmlns:a14="http://schemas.microsoft.com/office/drawing/2010/main" xmlns="" w="9525">
                     <a:solidFill>
                       <a:srgbClr val="000000"/>
                     </a:solidFill>
@@ -10071,7 +10071,7 @@
               </a:ln>
               <a:extLst>
                 <a:ext uri="{91240B29-F687-4f45-9708-019B960494DF}">
-                  <a14:hiddenLine xmlns="" xmlns:a14="http://schemas.microsoft.com/office/drawing/2010/main" w="9525">
+                  <a14:hiddenLine xmlns:a14="http://schemas.microsoft.com/office/drawing/2010/main" xmlns="" w="9525">
                     <a:solidFill>
                       <a:srgbClr val="000000"/>
                     </a:solidFill>
@@ -10161,7 +10161,7 @@
               </a:ln>
               <a:extLst>
                 <a:ext uri="{91240B29-F687-4f45-9708-019B960494DF}">
-                  <a14:hiddenLine xmlns="" xmlns:a14="http://schemas.microsoft.com/office/drawing/2010/main" w="9525">
+                  <a14:hiddenLine xmlns:a14="http://schemas.microsoft.com/office/drawing/2010/main" xmlns="" w="9525">
                     <a:solidFill>
                       <a:srgbClr val="000000"/>
                     </a:solidFill>
@@ -10195,7 +10195,7 @@
               </a:ln>
               <a:extLst>
                 <a:ext uri="{91240B29-F687-4f45-9708-019B960494DF}">
-                  <a14:hiddenLine xmlns="" xmlns:a14="http://schemas.microsoft.com/office/drawing/2010/main" w="9525">
+                  <a14:hiddenLine xmlns:a14="http://schemas.microsoft.com/office/drawing/2010/main" xmlns="" w="9525">
                     <a:solidFill>
                       <a:srgbClr val="000000"/>
                     </a:solidFill>
@@ -10260,7 +10260,7 @@
               </a:ln>
               <a:extLst>
                 <a:ext uri="{91240B29-F687-4f45-9708-019B960494DF}">
-                  <a14:hiddenLine xmlns="" xmlns:a14="http://schemas.microsoft.com/office/drawing/2010/main" w="9525">
+                  <a14:hiddenLine xmlns:a14="http://schemas.microsoft.com/office/drawing/2010/main" xmlns="" w="9525">
                     <a:solidFill>
                       <a:srgbClr val="000000"/>
                     </a:solidFill>
@@ -10350,7 +10350,7 @@
               </a:ln>
               <a:extLst>
                 <a:ext uri="{91240B29-F687-4f45-9708-019B960494DF}">
-                  <a14:hiddenLine xmlns="" xmlns:a14="http://schemas.microsoft.com/office/drawing/2010/main" w="9525">
+                  <a14:hiddenLine xmlns:a14="http://schemas.microsoft.com/office/drawing/2010/main" xmlns="" w="9525">
                     <a:solidFill>
                       <a:srgbClr val="000000"/>
                     </a:solidFill>
@@ -10412,7 +10412,7 @@
               </a:ln>
               <a:extLst>
                 <a:ext uri="{91240B29-F687-4f45-9708-019B960494DF}">
-                  <a14:hiddenLine xmlns="" xmlns:a14="http://schemas.microsoft.com/office/drawing/2010/main" w="9525">
+                  <a14:hiddenLine xmlns:a14="http://schemas.microsoft.com/office/drawing/2010/main" xmlns="" w="9525">
                     <a:solidFill>
                       <a:srgbClr val="000000"/>
                     </a:solidFill>
@@ -10502,7 +10502,7 @@
               </a:ln>
               <a:extLst>
                 <a:ext uri="{91240B29-F687-4f45-9708-019B960494DF}">
-                  <a14:hiddenLine xmlns="" xmlns:a14="http://schemas.microsoft.com/office/drawing/2010/main" w="9525">
+                  <a14:hiddenLine xmlns:a14="http://schemas.microsoft.com/office/drawing/2010/main" xmlns="" w="9525">
                     <a:solidFill>
                       <a:srgbClr val="000000"/>
                     </a:solidFill>
@@ -10567,7 +10567,7 @@
               </a:ln>
               <a:extLst>
                 <a:ext uri="{91240B29-F687-4f45-9708-019B960494DF}">
-                  <a14:hiddenLine xmlns="" xmlns:a14="http://schemas.microsoft.com/office/drawing/2010/main" w="9525">
+                  <a14:hiddenLine xmlns:a14="http://schemas.microsoft.com/office/drawing/2010/main" xmlns="" w="9525">
                     <a:solidFill>
                       <a:srgbClr val="000000"/>
                     </a:solidFill>
@@ -10629,7 +10629,7 @@
               </a:ln>
               <a:extLst>
                 <a:ext uri="{91240B29-F687-4f45-9708-019B960494DF}">
-                  <a14:hiddenLine xmlns="" xmlns:a14="http://schemas.microsoft.com/office/drawing/2010/main" w="9525">
+                  <a14:hiddenLine xmlns:a14="http://schemas.microsoft.com/office/drawing/2010/main" xmlns="" w="9525">
                     <a:solidFill>
                       <a:srgbClr val="000000"/>
                     </a:solidFill>
@@ -10719,7 +10719,7 @@
               </a:ln>
               <a:extLst>
                 <a:ext uri="{91240B29-F687-4f45-9708-019B960494DF}">
-                  <a14:hiddenLine xmlns="" xmlns:a14="http://schemas.microsoft.com/office/drawing/2010/main" w="9525">
+                  <a14:hiddenLine xmlns:a14="http://schemas.microsoft.com/office/drawing/2010/main" xmlns="" w="9525">
                     <a:solidFill>
                       <a:srgbClr val="000000"/>
                     </a:solidFill>
@@ -10809,7 +10809,7 @@
               </a:ln>
               <a:extLst>
                 <a:ext uri="{91240B29-F687-4f45-9708-019B960494DF}">
-                  <a14:hiddenLine xmlns="" xmlns:a14="http://schemas.microsoft.com/office/drawing/2010/main" w="9525">
+                  <a14:hiddenLine xmlns:a14="http://schemas.microsoft.com/office/drawing/2010/main" xmlns="" w="9525">
                     <a:solidFill>
                       <a:srgbClr val="000000"/>
                     </a:solidFill>
@@ -10874,7 +10874,7 @@
               </a:ln>
               <a:extLst>
                 <a:ext uri="{91240B29-F687-4f45-9708-019B960494DF}">
-                  <a14:hiddenLine xmlns="" xmlns:a14="http://schemas.microsoft.com/office/drawing/2010/main" w="9525">
+                  <a14:hiddenLine xmlns:a14="http://schemas.microsoft.com/office/drawing/2010/main" xmlns="" w="9525">
                     <a:solidFill>
                       <a:srgbClr val="000000"/>
                     </a:solidFill>
@@ -10994,7 +10994,7 @@
               </a:ln>
               <a:extLst>
                 <a:ext uri="{91240B29-F687-4f45-9708-019B960494DF}">
-                  <a14:hiddenLine xmlns="" xmlns:a14="http://schemas.microsoft.com/office/drawing/2010/main" w="9525">
+                  <a14:hiddenLine xmlns:a14="http://schemas.microsoft.com/office/drawing/2010/main" xmlns="" w="9525">
                     <a:solidFill>
                       <a:srgbClr val="000000"/>
                     </a:solidFill>
@@ -11092,7 +11092,7 @@
               </a:ln>
               <a:extLst>
                 <a:ext uri="{91240B29-F687-4f45-9708-019B960494DF}">
-                  <a14:hiddenLine xmlns="" xmlns:a14="http://schemas.microsoft.com/office/drawing/2010/main" w="9525">
+                  <a14:hiddenLine xmlns:a14="http://schemas.microsoft.com/office/drawing/2010/main" xmlns="" w="9525">
                     <a:solidFill>
                       <a:srgbClr val="000000"/>
                     </a:solidFill>
@@ -11207,7 +11207,7 @@
               </a:ln>
               <a:extLst>
                 <a:ext uri="{91240B29-F687-4f45-9708-019B960494DF}">
-                  <a14:hiddenLine xmlns="" xmlns:a14="http://schemas.microsoft.com/office/drawing/2010/main" w="9525">
+                  <a14:hiddenLine xmlns:a14="http://schemas.microsoft.com/office/drawing/2010/main" xmlns="" w="9525">
                     <a:solidFill>
                       <a:srgbClr val="000000"/>
                     </a:solidFill>
@@ -11297,7 +11297,7 @@
               </a:ln>
               <a:extLst>
                 <a:ext uri="{91240B29-F687-4f45-9708-019B960494DF}">
-                  <a14:hiddenLine xmlns="" xmlns:a14="http://schemas.microsoft.com/office/drawing/2010/main" w="9525">
+                  <a14:hiddenLine xmlns:a14="http://schemas.microsoft.com/office/drawing/2010/main" xmlns="" w="9525">
                     <a:solidFill>
                       <a:srgbClr val="000000"/>
                     </a:solidFill>
@@ -11362,7 +11362,7 @@
               </a:ln>
               <a:extLst>
                 <a:ext uri="{91240B29-F687-4f45-9708-019B960494DF}">
-                  <a14:hiddenLine xmlns="" xmlns:a14="http://schemas.microsoft.com/office/drawing/2010/main" w="9525">
+                  <a14:hiddenLine xmlns:a14="http://schemas.microsoft.com/office/drawing/2010/main" xmlns="" w="9525">
                     <a:solidFill>
                       <a:srgbClr val="000000"/>
                     </a:solidFill>
@@ -11452,7 +11452,7 @@
               </a:ln>
               <a:extLst>
                 <a:ext uri="{91240B29-F687-4f45-9708-019B960494DF}">
-                  <a14:hiddenLine xmlns="" xmlns:a14="http://schemas.microsoft.com/office/drawing/2010/main" w="9525">
+                  <a14:hiddenLine xmlns:a14="http://schemas.microsoft.com/office/drawing/2010/main" xmlns="" w="9525">
                     <a:solidFill>
                       <a:srgbClr val="000000"/>
                     </a:solidFill>
@@ -11520,7 +11520,7 @@
               </a:ln>
               <a:extLst>
                 <a:ext uri="{91240B29-F687-4f45-9708-019B960494DF}">
-                  <a14:hiddenLine xmlns="" xmlns:a14="http://schemas.microsoft.com/office/drawing/2010/main" w="9525">
+                  <a14:hiddenLine xmlns:a14="http://schemas.microsoft.com/office/drawing/2010/main" xmlns="" w="9525">
                     <a:solidFill>
                       <a:srgbClr val="000000"/>
                     </a:solidFill>
@@ -11610,7 +11610,7 @@
               </a:ln>
               <a:extLst>
                 <a:ext uri="{91240B29-F687-4f45-9708-019B960494DF}">
-                  <a14:hiddenLine xmlns="" xmlns:a14="http://schemas.microsoft.com/office/drawing/2010/main" w="9525">
+                  <a14:hiddenLine xmlns:a14="http://schemas.microsoft.com/office/drawing/2010/main" xmlns="" w="9525">
                     <a:solidFill>
                       <a:srgbClr val="000000"/>
                     </a:solidFill>
@@ -11678,7 +11678,7 @@
               </a:ln>
               <a:extLst>
                 <a:ext uri="{91240B29-F687-4f45-9708-019B960494DF}">
-                  <a14:hiddenLine xmlns="" xmlns:a14="http://schemas.microsoft.com/office/drawing/2010/main" w="9525">
+                  <a14:hiddenLine xmlns:a14="http://schemas.microsoft.com/office/drawing/2010/main" xmlns="" w="9525">
                     <a:solidFill>
                       <a:srgbClr val="000000"/>
                     </a:solidFill>
@@ -11768,7 +11768,7 @@
               </a:ln>
               <a:extLst>
                 <a:ext uri="{91240B29-F687-4f45-9708-019B960494DF}">
-                  <a14:hiddenLine xmlns="" xmlns:a14="http://schemas.microsoft.com/office/drawing/2010/main" w="9525">
+                  <a14:hiddenLine xmlns:a14="http://schemas.microsoft.com/office/drawing/2010/main" xmlns="" w="9525">
                     <a:solidFill>
                       <a:srgbClr val="000000"/>
                     </a:solidFill>
@@ -11802,7 +11802,7 @@
               </a:ln>
               <a:extLst>
                 <a:ext uri="{91240B29-F687-4f45-9708-019B960494DF}">
-                  <a14:hiddenLine xmlns="" xmlns:a14="http://schemas.microsoft.com/office/drawing/2010/main" w="9525">
+                  <a14:hiddenLine xmlns:a14="http://schemas.microsoft.com/office/drawing/2010/main" xmlns="" w="9525">
                     <a:solidFill>
                       <a:srgbClr val="000000"/>
                     </a:solidFill>
@@ -12415,8 +12415,12 @@
           </a:p>
           <a:p>
             <a:r>
+              <a:rPr lang="en-US"/>
+              <a:t>July 14, </a:t>
+            </a:r>
+            <a:r>
               <a:rPr lang="en-US" dirty="0"/>
-              <a:t>July 12, 2018</a:t>
+              <a:t>2018</a:t>
             </a:r>
           </a:p>
         </p:txBody>
